--- a/cartpilot_v2.pptx
+++ b/cartpilot_v2.pptx
@@ -256,7 +256,7 @@
           <a:p>
             <a:fld id="{0972E81B-F0D0-704C-8208-0FB621E0C15F}" type="datetimeFigureOut">
               <a:rPr lang="en-US" smtClean="0"/>
-              <a:t>6/12/17</a:t>
+              <a:t>6/13/17</a:t>
             </a:fld>
             <a:endParaRPr lang="en-US"/>
           </a:p>
@@ -421,7 +421,7 @@
           <a:p>
             <a:fld id="{0972E81B-F0D0-704C-8208-0FB621E0C15F}" type="datetimeFigureOut">
               <a:rPr lang="en-US" smtClean="0"/>
-              <a:t>6/12/17</a:t>
+              <a:t>6/13/17</a:t>
             </a:fld>
             <a:endParaRPr lang="en-US"/>
           </a:p>
@@ -596,7 +596,7 @@
           <a:p>
             <a:fld id="{0972E81B-F0D0-704C-8208-0FB621E0C15F}" type="datetimeFigureOut">
               <a:rPr lang="en-US" smtClean="0"/>
-              <a:t>6/12/17</a:t>
+              <a:t>6/13/17</a:t>
             </a:fld>
             <a:endParaRPr lang="en-US"/>
           </a:p>
@@ -761,7 +761,7 @@
           <a:p>
             <a:fld id="{0972E81B-F0D0-704C-8208-0FB621E0C15F}" type="datetimeFigureOut">
               <a:rPr lang="en-US" smtClean="0"/>
-              <a:t>6/12/17</a:t>
+              <a:t>6/13/17</a:t>
             </a:fld>
             <a:endParaRPr lang="en-US"/>
           </a:p>
@@ -1002,7 +1002,7 @@
           <a:p>
             <a:fld id="{0972E81B-F0D0-704C-8208-0FB621E0C15F}" type="datetimeFigureOut">
               <a:rPr lang="en-US" smtClean="0"/>
-              <a:t>6/12/17</a:t>
+              <a:t>6/13/17</a:t>
             </a:fld>
             <a:endParaRPr lang="en-US"/>
           </a:p>
@@ -1229,7 +1229,7 @@
           <a:p>
             <a:fld id="{0972E81B-F0D0-704C-8208-0FB621E0C15F}" type="datetimeFigureOut">
               <a:rPr lang="en-US" smtClean="0"/>
-              <a:t>6/12/17</a:t>
+              <a:t>6/13/17</a:t>
             </a:fld>
             <a:endParaRPr lang="en-US"/>
           </a:p>
@@ -1591,7 +1591,7 @@
           <a:p>
             <a:fld id="{0972E81B-F0D0-704C-8208-0FB621E0C15F}" type="datetimeFigureOut">
               <a:rPr lang="en-US" smtClean="0"/>
-              <a:t>6/12/17</a:t>
+              <a:t>6/13/17</a:t>
             </a:fld>
             <a:endParaRPr lang="en-US"/>
           </a:p>
@@ -1704,7 +1704,7 @@
           <a:p>
             <a:fld id="{0972E81B-F0D0-704C-8208-0FB621E0C15F}" type="datetimeFigureOut">
               <a:rPr lang="en-US" smtClean="0"/>
-              <a:t>6/12/17</a:t>
+              <a:t>6/13/17</a:t>
             </a:fld>
             <a:endParaRPr lang="en-US"/>
           </a:p>
@@ -1794,7 +1794,7 @@
           <a:p>
             <a:fld id="{0972E81B-F0D0-704C-8208-0FB621E0C15F}" type="datetimeFigureOut">
               <a:rPr lang="en-US" smtClean="0"/>
-              <a:t>6/12/17</a:t>
+              <a:t>6/13/17</a:t>
             </a:fld>
             <a:endParaRPr lang="en-US"/>
           </a:p>
@@ -2066,7 +2066,7 @@
           <a:p>
             <a:fld id="{0972E81B-F0D0-704C-8208-0FB621E0C15F}" type="datetimeFigureOut">
               <a:rPr lang="en-US" smtClean="0"/>
-              <a:t>6/12/17</a:t>
+              <a:t>6/13/17</a:t>
             </a:fld>
             <a:endParaRPr lang="en-US"/>
           </a:p>
@@ -2318,7 +2318,7 @@
           <a:p>
             <a:fld id="{0972E81B-F0D0-704C-8208-0FB621E0C15F}" type="datetimeFigureOut">
               <a:rPr lang="en-US" smtClean="0"/>
-              <a:t>6/12/17</a:t>
+              <a:t>6/13/17</a:t>
             </a:fld>
             <a:endParaRPr lang="en-US"/>
           </a:p>
@@ -2526,7 +2526,7 @@
           <a:p>
             <a:fld id="{0972E81B-F0D0-704C-8208-0FB621E0C15F}" type="datetimeFigureOut">
               <a:rPr lang="en-US" smtClean="0"/>
-              <a:t>6/12/17</a:t>
+              <a:t>6/13/17</a:t>
             </a:fld>
             <a:endParaRPr lang="en-US"/>
           </a:p>
@@ -3216,21 +3216,21 @@
                 <a:gridCol w="1804988">
                   <a:extLst>
                     <a:ext uri="{9D8B030D-6E8A-4147-A177-3AD203B41FA5}">
-                      <a16:colId xmlns="" xmlns:a16="http://schemas.microsoft.com/office/drawing/2014/main" val="20000"/>
+                      <a16:colId xmlns:a16="http://schemas.microsoft.com/office/drawing/2014/main" xmlns="" val="20000"/>
                     </a:ext>
                   </a:extLst>
                 </a:gridCol>
                 <a:gridCol w="4286250">
                   <a:extLst>
                     <a:ext uri="{9D8B030D-6E8A-4147-A177-3AD203B41FA5}">
-                      <a16:colId xmlns="" xmlns:a16="http://schemas.microsoft.com/office/drawing/2014/main" val="20001"/>
+                      <a16:colId xmlns:a16="http://schemas.microsoft.com/office/drawing/2014/main" xmlns="" val="20001"/>
                     </a:ext>
                   </a:extLst>
                 </a:gridCol>
                 <a:gridCol w="4424364">
                   <a:extLst>
                     <a:ext uri="{9D8B030D-6E8A-4147-A177-3AD203B41FA5}">
-                      <a16:colId xmlns="" xmlns:a16="http://schemas.microsoft.com/office/drawing/2014/main" val="20002"/>
+                      <a16:colId xmlns:a16="http://schemas.microsoft.com/office/drawing/2014/main" xmlns="" val="20002"/>
                     </a:ext>
                   </a:extLst>
                 </a:gridCol>
@@ -3277,7 +3277,7 @@
                 </a:tc>
                 <a:extLst>
                   <a:ext uri="{0D108BD9-81ED-4DB2-BD59-A6C34878D82A}">
-                    <a16:rowId xmlns="" xmlns:a16="http://schemas.microsoft.com/office/drawing/2014/main" val="10000"/>
+                    <a16:rowId xmlns:a16="http://schemas.microsoft.com/office/drawing/2014/main" xmlns="" val="10000"/>
                   </a:ext>
                 </a:extLst>
               </a:tr>
@@ -3326,7 +3326,7 @@
                 </a:tc>
                 <a:extLst>
                   <a:ext uri="{0D108BD9-81ED-4DB2-BD59-A6C34878D82A}">
-                    <a16:rowId xmlns="" xmlns:a16="http://schemas.microsoft.com/office/drawing/2014/main" val="10001"/>
+                    <a16:rowId xmlns:a16="http://schemas.microsoft.com/office/drawing/2014/main" xmlns="" val="10001"/>
                   </a:ext>
                 </a:extLst>
               </a:tr>
@@ -3375,7 +3375,7 @@
                 </a:tc>
                 <a:extLst>
                   <a:ext uri="{0D108BD9-81ED-4DB2-BD59-A6C34878D82A}">
-                    <a16:rowId xmlns="" xmlns:a16="http://schemas.microsoft.com/office/drawing/2014/main" val="10002"/>
+                    <a16:rowId xmlns:a16="http://schemas.microsoft.com/office/drawing/2014/main" xmlns="" val="10002"/>
                   </a:ext>
                 </a:extLst>
               </a:tr>
@@ -3961,7 +3961,7 @@
         <p:spPr/>
         <p:txBody>
           <a:bodyPr>
-            <a:normAutofit lnSpcReduction="10000"/>
+            <a:normAutofit fontScale="92500" lnSpcReduction="20000"/>
           </a:bodyPr>
           <a:lstStyle/>
           <a:p>
@@ -4048,8 +4048,39 @@
             </a:r>
             <a:r>
               <a:rPr lang="en-US" dirty="0"/>
+              <a:t> </a:t>
+            </a:r>
+            <a:r>
+              <a:rPr lang="mr-IN" dirty="0" smtClean="0"/>
+              <a:t>’</a:t>
+            </a:r>
+            <a:r>
+              <a:rPr lang="en-US" dirty="0" smtClean="0"/>
+              <a:t>14</a:t>
+            </a:r>
+          </a:p>
+          <a:p>
+            <a:r>
+              <a:rPr lang="en-US" smtClean="0"/>
+              <a:t>Management Consultant at KKR </a:t>
+            </a:r>
+            <a:r>
+              <a:rPr lang="en-US" dirty="0" smtClean="0"/>
+              <a:t>Capston</a:t>
+            </a:r>
+            <a:r>
+              <a:rPr lang="en-US" dirty="0" smtClean="0"/>
+              <a:t>e, Bain and Company, B.A. Economics </a:t>
+            </a:r>
+            <a:r>
+              <a:rPr lang="en-US" dirty="0" err="1" smtClean="0"/>
+              <a:t>UChicago</a:t>
+            </a:r>
+            <a:r>
+              <a:rPr lang="en-US" dirty="0" smtClean="0"/>
               <a:t> ‘14</a:t>
             </a:r>
+            <a:endParaRPr lang="en-US" dirty="0"/>
           </a:p>
           <a:p>
             <a:endParaRPr lang="en-US" dirty="0"/>
@@ -5235,21 +5266,21 @@
                 <a:gridCol w="3241576">
                   <a:extLst>
                     <a:ext uri="{9D8B030D-6E8A-4147-A177-3AD203B41FA5}">
-                      <a16:colId xmlns="" xmlns:a16="http://schemas.microsoft.com/office/drawing/2014/main" val="3728255273"/>
+                      <a16:colId xmlns:a16="http://schemas.microsoft.com/office/drawing/2014/main" xmlns="" val="3728255273"/>
                     </a:ext>
                   </a:extLst>
                 </a:gridCol>
                 <a:gridCol w="2844316">
                   <a:extLst>
                     <a:ext uri="{9D8B030D-6E8A-4147-A177-3AD203B41FA5}">
-                      <a16:colId xmlns="" xmlns:a16="http://schemas.microsoft.com/office/drawing/2014/main" val="288807372"/>
+                      <a16:colId xmlns:a16="http://schemas.microsoft.com/office/drawing/2014/main" xmlns="" val="288807372"/>
                     </a:ext>
                   </a:extLst>
                 </a:gridCol>
                 <a:gridCol w="4500499">
                   <a:extLst>
                     <a:ext uri="{9D8B030D-6E8A-4147-A177-3AD203B41FA5}">
-                      <a16:colId xmlns="" xmlns:a16="http://schemas.microsoft.com/office/drawing/2014/main" val="604320076"/>
+                      <a16:colId xmlns:a16="http://schemas.microsoft.com/office/drawing/2014/main" xmlns="" val="604320076"/>
                     </a:ext>
                   </a:extLst>
                 </a:gridCol>
@@ -5299,7 +5330,7 @@
                 </a:tc>
                 <a:extLst>
                   <a:ext uri="{0D108BD9-81ED-4DB2-BD59-A6C34878D82A}">
-                    <a16:rowId xmlns="" xmlns:a16="http://schemas.microsoft.com/office/drawing/2014/main" val="3297439489"/>
+                    <a16:rowId xmlns:a16="http://schemas.microsoft.com/office/drawing/2014/main" xmlns="" val="3297439489"/>
                   </a:ext>
                 </a:extLst>
               </a:tr>
@@ -5373,7 +5404,7 @@
                 </a:tc>
                 <a:extLst>
                   <a:ext uri="{0D108BD9-81ED-4DB2-BD59-A6C34878D82A}">
-                    <a16:rowId xmlns="" xmlns:a16="http://schemas.microsoft.com/office/drawing/2014/main" val="1106516124"/>
+                    <a16:rowId xmlns:a16="http://schemas.microsoft.com/office/drawing/2014/main" xmlns="" val="1106516124"/>
                   </a:ext>
                 </a:extLst>
               </a:tr>
@@ -5462,7 +5493,7 @@
                 </a:tc>
                 <a:extLst>
                   <a:ext uri="{0D108BD9-81ED-4DB2-BD59-A6C34878D82A}">
-                    <a16:rowId xmlns="" xmlns:a16="http://schemas.microsoft.com/office/drawing/2014/main" val="2706619844"/>
+                    <a16:rowId xmlns:a16="http://schemas.microsoft.com/office/drawing/2014/main" xmlns="" val="2706619844"/>
                   </a:ext>
                 </a:extLst>
               </a:tr>
@@ -5532,7 +5563,7 @@
                 </a:tc>
                 <a:extLst>
                   <a:ext uri="{0D108BD9-81ED-4DB2-BD59-A6C34878D82A}">
-                    <a16:rowId xmlns="" xmlns:a16="http://schemas.microsoft.com/office/drawing/2014/main" val="1353841854"/>
+                    <a16:rowId xmlns:a16="http://schemas.microsoft.com/office/drawing/2014/main" xmlns="" val="1353841854"/>
                   </a:ext>
                 </a:extLst>
               </a:tr>
